--- a/slides/Lecture10-02-18-23-NumericalDerivatives.pptx
+++ b/slides/Lecture10-02-18-23-NumericalDerivatives.pptx
@@ -273,7 +273,7 @@
           <a:p>
             <a:fld id="{961AF02B-09B0-4980-983D-27C0EDB561B5}" type="datetimeFigureOut">
               <a:rPr lang="uk-UA" smtClean="0"/>
-              <a:t>17.02.25</a:t>
+              <a:t>18.02.25</a:t>
             </a:fld>
             <a:endParaRPr lang="uk-UA"/>
           </a:p>
@@ -5904,7 +5904,7 @@
           <p:nvPr/>
         </p:nvPicPr>
         <p:blipFill>
-          <a:blip r:embed="rId7"/>
+          <a:blip r:embed="rId8"/>
           <a:stretch>
             <a:fillRect/>
           </a:stretch>
@@ -5934,7 +5934,7 @@
           <p:nvPr/>
         </p:nvPicPr>
         <p:blipFill>
-          <a:blip r:embed="rId8"/>
+          <a:blip r:embed="rId9"/>
           <a:stretch>
             <a:fillRect/>
           </a:stretch>
@@ -8248,8 +8248,8 @@
           </a:p>
         </p:txBody>
       </p:sp>
-      <mc:AlternateContent xmlns:mc="http://schemas.openxmlformats.org/markup-compatibility/2006">
-        <mc:Choice xmlns:a14="http://schemas.microsoft.com/office/drawing/2010/main" Requires="a14">
+      <mc:AlternateContent xmlns:mc="http://schemas.openxmlformats.org/markup-compatibility/2006" xmlns:a14="http://schemas.microsoft.com/office/drawing/2010/main">
+        <mc:Choice Requires="a14">
           <p:sp>
             <p:nvSpPr>
               <p:cNvPr id="20" name="TextBox 19">
@@ -8278,6 +8278,7 @@
               </a:bodyPr>
               <a:lstStyle/>
               <a:p>
+                <a:pPr/>
                 <a14:m>
                   <m:oMathPara xmlns:m="http://schemas.openxmlformats.org/officeDocument/2006/math">
                     <m:oMathParaPr>
@@ -8329,7 +8330,7 @@
             </p:txBody>
           </p:sp>
         </mc:Choice>
-        <mc:Fallback>
+        <mc:Fallback xmlns="">
           <p:sp>
             <p:nvSpPr>
               <p:cNvPr id="20" name="TextBox 19">
@@ -8389,7 +8390,7 @@
           <p:nvPr/>
         </p:nvPicPr>
         <p:blipFill>
-          <a:blip r:embed="rId4"/>
+          <a:blip r:embed="rId3"/>
           <a:stretch>
             <a:fillRect/>
           </a:stretch>
@@ -8404,8 +8405,8 @@
           </a:prstGeom>
         </p:spPr>
       </p:pic>
-      <mc:AlternateContent xmlns:mc="http://schemas.openxmlformats.org/markup-compatibility/2006">
-        <mc:Choice xmlns:a14="http://schemas.microsoft.com/office/drawing/2010/main" Requires="a14">
+      <mc:AlternateContent xmlns:mc="http://schemas.openxmlformats.org/markup-compatibility/2006" xmlns:a14="http://schemas.microsoft.com/office/drawing/2010/main">
+        <mc:Choice Requires="a14">
           <p:sp>
             <p:nvSpPr>
               <p:cNvPr id="22" name="TextBox 21">
@@ -8434,6 +8435,7 @@
               </a:bodyPr>
               <a:lstStyle/>
               <a:p>
+                <a:pPr/>
                 <a14:m>
                   <m:oMathPara xmlns:m="http://schemas.openxmlformats.org/officeDocument/2006/math">
                     <m:oMathParaPr>
@@ -8522,7 +8524,7 @@
             </p:txBody>
           </p:sp>
         </mc:Choice>
-        <mc:Fallback>
+        <mc:Fallback xmlns="">
           <p:sp>
             <p:nvSpPr>
               <p:cNvPr id="22" name="TextBox 21">
@@ -8567,8 +8569,8 @@
           </p:sp>
         </mc:Fallback>
       </mc:AlternateContent>
-      <mc:AlternateContent xmlns:mc="http://schemas.openxmlformats.org/markup-compatibility/2006">
-        <mc:Choice xmlns:a14="http://schemas.microsoft.com/office/drawing/2010/main" Requires="a14">
+      <mc:AlternateContent xmlns:mc="http://schemas.openxmlformats.org/markup-compatibility/2006" xmlns:a14="http://schemas.microsoft.com/office/drawing/2010/main">
+        <mc:Choice Requires="a14">
           <p:sp>
             <p:nvSpPr>
               <p:cNvPr id="23" name="TextBox 22">
@@ -8597,6 +8599,7 @@
               </a:bodyPr>
               <a:lstStyle/>
               <a:p>
+                <a:pPr/>
                 <a14:m>
                   <m:oMathPara xmlns:m="http://schemas.openxmlformats.org/officeDocument/2006/math">
                     <m:oMathParaPr>
@@ -8685,7 +8688,7 @@
             </p:txBody>
           </p:sp>
         </mc:Choice>
-        <mc:Fallback>
+        <mc:Fallback xmlns="">
           <p:sp>
             <p:nvSpPr>
               <p:cNvPr id="23" name="TextBox 22">
@@ -8730,8 +8733,8 @@
           </p:sp>
         </mc:Fallback>
       </mc:AlternateContent>
-      <mc:AlternateContent xmlns:mc="http://schemas.openxmlformats.org/markup-compatibility/2006">
-        <mc:Choice xmlns:a14="http://schemas.microsoft.com/office/drawing/2010/main" Requires="a14">
+      <mc:AlternateContent xmlns:mc="http://schemas.openxmlformats.org/markup-compatibility/2006" xmlns:a14="http://schemas.microsoft.com/office/drawing/2010/main">
+        <mc:Choice Requires="a14">
           <p:sp>
             <p:nvSpPr>
               <p:cNvPr id="24" name="TextBox 23">
@@ -8760,6 +8763,7 @@
               </a:bodyPr>
               <a:lstStyle/>
               <a:p>
+                <a:pPr/>
                 <a14:m>
                   <m:oMathPara xmlns:m="http://schemas.openxmlformats.org/officeDocument/2006/math">
                     <m:oMathParaPr>
@@ -8859,7 +8863,7 @@
             </p:txBody>
           </p:sp>
         </mc:Choice>
-        <mc:Fallback>
+        <mc:Fallback xmlns="">
           <p:sp>
             <p:nvSpPr>
               <p:cNvPr id="24" name="TextBox 23">
@@ -9009,8 +9013,8 @@
           </a:p>
         </p:txBody>
       </p:sp>
-      <mc:AlternateContent xmlns:mc="http://schemas.openxmlformats.org/markup-compatibility/2006">
-        <mc:Choice xmlns:a14="http://schemas.microsoft.com/office/drawing/2010/main" Requires="a14">
+      <mc:AlternateContent xmlns:mc="http://schemas.openxmlformats.org/markup-compatibility/2006" xmlns:a14="http://schemas.microsoft.com/office/drawing/2010/main">
+        <mc:Choice Requires="a14">
           <p:sp>
             <p:nvSpPr>
               <p:cNvPr id="28" name="TextBox 27">
@@ -9039,6 +9043,7 @@
               </a:bodyPr>
               <a:lstStyle/>
               <a:p>
+                <a:pPr/>
                 <a14:m>
                   <m:oMathPara xmlns:m="http://schemas.openxmlformats.org/officeDocument/2006/math">
                     <m:oMathParaPr>
@@ -9096,7 +9101,7 @@
             </p:txBody>
           </p:sp>
         </mc:Choice>
-        <mc:Fallback>
+        <mc:Fallback xmlns="">
           <p:sp>
             <p:nvSpPr>
               <p:cNvPr id="28" name="TextBox 27">
@@ -9141,8 +9146,8 @@
           </p:sp>
         </mc:Fallback>
       </mc:AlternateContent>
-      <mc:AlternateContent xmlns:mc="http://schemas.openxmlformats.org/markup-compatibility/2006">
-        <mc:Choice xmlns:a14="http://schemas.microsoft.com/office/drawing/2010/main" Requires="a14">
+      <mc:AlternateContent xmlns:mc="http://schemas.openxmlformats.org/markup-compatibility/2006" xmlns:a14="http://schemas.microsoft.com/office/drawing/2010/main">
+        <mc:Choice Requires="a14">
           <p:sp>
             <p:nvSpPr>
               <p:cNvPr id="29" name="TextBox 28">
@@ -9171,6 +9176,7 @@
               </a:bodyPr>
               <a:lstStyle/>
               <a:p>
+                <a:pPr/>
                 <a14:m>
                   <m:oMathPara xmlns:m="http://schemas.openxmlformats.org/officeDocument/2006/math">
                     <m:oMathParaPr>
@@ -9332,7 +9338,7 @@
             </p:txBody>
           </p:sp>
         </mc:Choice>
-        <mc:Fallback>
+        <mc:Fallback xmlns="">
           <p:sp>
             <p:nvSpPr>
               <p:cNvPr id="29" name="TextBox 28">
@@ -9377,8 +9383,8 @@
           </p:sp>
         </mc:Fallback>
       </mc:AlternateContent>
-      <mc:AlternateContent xmlns:mc="http://schemas.openxmlformats.org/markup-compatibility/2006">
-        <mc:Choice xmlns:a14="http://schemas.microsoft.com/office/drawing/2010/main" Requires="a14">
+      <mc:AlternateContent xmlns:mc="http://schemas.openxmlformats.org/markup-compatibility/2006" xmlns:a14="http://schemas.microsoft.com/office/drawing/2010/main">
+        <mc:Choice Requires="a14">
           <p:sp>
             <p:nvSpPr>
               <p:cNvPr id="30" name="TextBox 29">
@@ -9407,6 +9413,7 @@
               </a:bodyPr>
               <a:lstStyle/>
               <a:p>
+                <a:pPr/>
                 <a14:m>
                   <m:oMathPara xmlns:m="http://schemas.openxmlformats.org/officeDocument/2006/math">
                     <m:oMathParaPr>
@@ -9568,7 +9575,7 @@
             </p:txBody>
           </p:sp>
         </mc:Choice>
-        <mc:Fallback>
+        <mc:Fallback xmlns="">
           <p:sp>
             <p:nvSpPr>
               <p:cNvPr id="30" name="TextBox 29">
@@ -9613,8 +9620,8 @@
           </p:sp>
         </mc:Fallback>
       </mc:AlternateContent>
-      <mc:AlternateContent xmlns:mc="http://schemas.openxmlformats.org/markup-compatibility/2006">
-        <mc:Choice xmlns:a14="http://schemas.microsoft.com/office/drawing/2010/main" Requires="a14">
+      <mc:AlternateContent xmlns:mc="http://schemas.openxmlformats.org/markup-compatibility/2006" xmlns:a14="http://schemas.microsoft.com/office/drawing/2010/main">
+        <mc:Choice Requires="a14">
           <p:sp>
             <p:nvSpPr>
               <p:cNvPr id="31" name="TextBox 30">
@@ -9643,6 +9650,7 @@
               </a:bodyPr>
               <a:lstStyle/>
               <a:p>
+                <a:pPr/>
                 <a14:m>
                   <m:oMathPara xmlns:m="http://schemas.openxmlformats.org/officeDocument/2006/math">
                     <m:oMathParaPr>
@@ -9828,7 +9836,7 @@
             </p:txBody>
           </p:sp>
         </mc:Choice>
-        <mc:Fallback>
+        <mc:Fallback xmlns="">
           <p:sp>
             <p:nvSpPr>
               <p:cNvPr id="31" name="TextBox 30">
@@ -9873,8 +9881,8 @@
           </p:sp>
         </mc:Fallback>
       </mc:AlternateContent>
-      <mc:AlternateContent xmlns:mc="http://schemas.openxmlformats.org/markup-compatibility/2006">
-        <mc:Choice xmlns:a14="http://schemas.microsoft.com/office/drawing/2010/main" Requires="a14">
+      <mc:AlternateContent xmlns:mc="http://schemas.openxmlformats.org/markup-compatibility/2006" xmlns:a14="http://schemas.microsoft.com/office/drawing/2010/main">
+        <mc:Choice Requires="a14">
           <p:sp>
             <p:nvSpPr>
               <p:cNvPr id="34" name="TextBox 33">
@@ -10063,7 +10071,7 @@
             </p:txBody>
           </p:sp>
         </mc:Choice>
-        <mc:Fallback>
+        <mc:Fallback xmlns="">
           <p:sp>
             <p:nvSpPr>
               <p:cNvPr id="34" name="TextBox 33">
@@ -10108,8 +10116,8 @@
           </p:sp>
         </mc:Fallback>
       </mc:AlternateContent>
-      <mc:AlternateContent xmlns:mc="http://schemas.openxmlformats.org/markup-compatibility/2006">
-        <mc:Choice xmlns:a14="http://schemas.microsoft.com/office/drawing/2010/main" Requires="a14">
+      <mc:AlternateContent xmlns:mc="http://schemas.openxmlformats.org/markup-compatibility/2006" xmlns:a14="http://schemas.microsoft.com/office/drawing/2010/main">
+        <mc:Choice Requires="a14">
           <p:sp>
             <p:nvSpPr>
               <p:cNvPr id="36" name="TextBox 35">
@@ -10235,7 +10243,7 @@
             </p:txBody>
           </p:sp>
         </mc:Choice>
-        <mc:Fallback>
+        <mc:Fallback xmlns="">
           <p:sp>
             <p:nvSpPr>
               <p:cNvPr id="36" name="TextBox 35">
@@ -10623,8 +10631,8 @@
           </a:prstGeom>
         </p:spPr>
       </p:pic>
-      <mc:AlternateContent xmlns:mc="http://schemas.openxmlformats.org/markup-compatibility/2006">
-        <mc:Choice xmlns:a14="http://schemas.microsoft.com/office/drawing/2010/main" Requires="a14">
+      <mc:AlternateContent xmlns:mc="http://schemas.openxmlformats.org/markup-compatibility/2006" xmlns:a14="http://schemas.microsoft.com/office/drawing/2010/main">
+        <mc:Choice Requires="a14">
           <p:sp>
             <p:nvSpPr>
               <p:cNvPr id="12" name="TextBox 11">
@@ -10653,6 +10661,7 @@
               </a:bodyPr>
               <a:lstStyle/>
               <a:p>
+                <a:pPr/>
                 <a14:m>
                   <m:oMathPara xmlns:m="http://schemas.openxmlformats.org/officeDocument/2006/math">
                     <m:oMathParaPr>
@@ -10704,7 +10713,7 @@
             </p:txBody>
           </p:sp>
         </mc:Choice>
-        <mc:Fallback>
+        <mc:Fallback xmlns="">
           <p:sp>
             <p:nvSpPr>
               <p:cNvPr id="12" name="TextBox 11">
@@ -10749,8 +10758,8 @@
           </p:sp>
         </mc:Fallback>
       </mc:AlternateContent>
-      <mc:AlternateContent xmlns:mc="http://schemas.openxmlformats.org/markup-compatibility/2006">
-        <mc:Choice xmlns:a14="http://schemas.microsoft.com/office/drawing/2010/main" Requires="a14">
+      <mc:AlternateContent xmlns:mc="http://schemas.openxmlformats.org/markup-compatibility/2006" xmlns:a14="http://schemas.microsoft.com/office/drawing/2010/main">
+        <mc:Choice Requires="a14">
           <p:sp>
             <p:nvSpPr>
               <p:cNvPr id="13" name="TextBox 12">
@@ -10779,6 +10788,7 @@
               </a:bodyPr>
               <a:lstStyle/>
               <a:p>
+                <a:pPr/>
                 <a14:m>
                   <m:oMathPara xmlns:m="http://schemas.openxmlformats.org/officeDocument/2006/math">
                     <m:oMathParaPr>
@@ -10836,7 +10846,7 @@
             </p:txBody>
           </p:sp>
         </mc:Choice>
-        <mc:Fallback>
+        <mc:Fallback xmlns="">
           <p:sp>
             <p:nvSpPr>
               <p:cNvPr id="13" name="TextBox 12">
@@ -11436,6 +11446,44 @@
           </a:extLst>
         </p:spPr>
       </p:pic>
+      <p:sp>
+        <p:nvSpPr>
+          <p:cNvPr id="6" name="TextBox 5">
+            <a:extLst>
+              <a:ext uri="{FF2B5EF4-FFF2-40B4-BE49-F238E27FC236}">
+                <a16:creationId xmlns:a16="http://schemas.microsoft.com/office/drawing/2014/main" id="{B860B345-8713-59F4-618E-4B59780AF7B3}"/>
+              </a:ext>
+            </a:extLst>
+          </p:cNvPr>
+          <p:cNvSpPr txBox="1"/>
+          <p:nvPr/>
+        </p:nvSpPr>
+        <p:spPr>
+          <a:xfrm>
+            <a:off x="2547581" y="6302837"/>
+            <a:ext cx="2736647" cy="369332"/>
+          </a:xfrm>
+          <a:prstGeom prst="rect">
+            <a:avLst/>
+          </a:prstGeom>
+          <a:noFill/>
+        </p:spPr>
+        <p:txBody>
+          <a:bodyPr wrap="none" rtlCol="0">
+            <a:spAutoFit/>
+          </a:bodyPr>
+          <a:lstStyle/>
+          <a:p>
+            <a:r>
+              <a:rPr lang="en-US" dirty="0">
+                <a:hlinkClick r:id="rId4"/>
+              </a:rPr>
+              <a:t>https://autodiff.github.io/</a:t>
+            </a:r>
+            <a:endParaRPr lang="en-US" dirty="0"/>
+          </a:p>
+        </p:txBody>
+      </p:sp>
     </p:spTree>
     <p:extLst>
       <p:ext uri="{BB962C8B-B14F-4D97-AF65-F5344CB8AC3E}">
@@ -15712,8 +15760,8 @@
           </a:extLst>
         </p:spPr>
       </p:pic>
-      <mc:AlternateContent xmlns:mc="http://schemas.openxmlformats.org/markup-compatibility/2006">
-        <mc:Choice xmlns:a14="http://schemas.microsoft.com/office/drawing/2010/main" Requires="a14">
+      <mc:AlternateContent xmlns:mc="http://schemas.openxmlformats.org/markup-compatibility/2006" xmlns:a14="http://schemas.microsoft.com/office/drawing/2010/main">
+        <mc:Choice Requires="a14">
           <p:sp>
             <p:nvSpPr>
               <p:cNvPr id="3" name="TextBox 2">
@@ -15928,7 +15976,7 @@
             </p:txBody>
           </p:sp>
         </mc:Choice>
-        <mc:Fallback>
+        <mc:Fallback xmlns="">
           <p:sp>
             <p:nvSpPr>
               <p:cNvPr id="3" name="TextBox 2">
@@ -16275,8 +16323,8 @@
           </a:p>
         </p:txBody>
       </p:sp>
-      <mc:AlternateContent xmlns:mc="http://schemas.openxmlformats.org/markup-compatibility/2006">
-        <mc:Choice xmlns:a14="http://schemas.microsoft.com/office/drawing/2010/main" Requires="a14">
+      <mc:AlternateContent xmlns:mc="http://schemas.openxmlformats.org/markup-compatibility/2006" xmlns:a14="http://schemas.microsoft.com/office/drawing/2010/main">
+        <mc:Choice Requires="a14">
           <p:sp>
             <p:nvSpPr>
               <p:cNvPr id="11" name="TextBox 10">
@@ -16513,7 +16561,7 @@
             </p:txBody>
           </p:sp>
         </mc:Choice>
-        <mc:Fallback>
+        <mc:Fallback xmlns="">
           <p:sp>
             <p:nvSpPr>
               <p:cNvPr id="11" name="TextBox 10">
@@ -16636,8 +16684,8 @@
           </a:p>
         </p:txBody>
       </p:sp>
-      <mc:AlternateContent xmlns:mc="http://schemas.openxmlformats.org/markup-compatibility/2006">
-        <mc:Choice xmlns:a14="http://schemas.microsoft.com/office/drawing/2010/main" Requires="a14">
+      <mc:AlternateContent xmlns:mc="http://schemas.openxmlformats.org/markup-compatibility/2006" xmlns:a14="http://schemas.microsoft.com/office/drawing/2010/main">
+        <mc:Choice Requires="a14">
           <p:sp>
             <p:nvSpPr>
               <p:cNvPr id="16" name="TextBox 15">
@@ -16738,7 +16786,7 @@
             </p:txBody>
           </p:sp>
         </mc:Choice>
-        <mc:Fallback>
+        <mc:Fallback xmlns="">
           <p:sp>
             <p:nvSpPr>
               <p:cNvPr id="16" name="TextBox 15">
@@ -16798,7 +16846,7 @@
         <p:spPr>
           <a:xfrm>
             <a:off x="9034329" y="3354523"/>
-            <a:ext cx="1645002" cy="307777"/>
+            <a:ext cx="2550698" cy="307777"/>
           </a:xfrm>
           <a:prstGeom prst="rect">
             <a:avLst/>
@@ -16813,7 +16861,7 @@
           <a:p>
             <a:r>
               <a:rPr lang="en-US" sz="1400" b="1" i="1" dirty="0"/>
-              <a:t>machine precision</a:t>
+              <a:t>Best case: machine precision</a:t>
             </a:r>
           </a:p>
         </p:txBody>
@@ -16876,8 +16924,8 @@
           </a:p>
         </p:txBody>
       </p:sp>
-      <mc:AlternateContent xmlns:mc="http://schemas.openxmlformats.org/markup-compatibility/2006">
-        <mc:Choice xmlns:a14="http://schemas.microsoft.com/office/drawing/2010/main" Requires="a14">
+      <mc:AlternateContent xmlns:mc="http://schemas.openxmlformats.org/markup-compatibility/2006" xmlns:a14="http://schemas.microsoft.com/office/drawing/2010/main">
+        <mc:Choice Requires="a14">
           <p:sp>
             <p:nvSpPr>
               <p:cNvPr id="19" name="TextBox 18">
@@ -16906,6 +16954,7 @@
               </a:bodyPr>
               <a:lstStyle/>
               <a:p>
+                <a:pPr/>
                 <a14:m>
                   <m:oMathPara xmlns:m="http://schemas.openxmlformats.org/officeDocument/2006/math">
                     <m:oMathParaPr>
@@ -17192,13 +17241,7 @@
                             <a:rPr lang="en-US" i="1">
                               <a:latin typeface="Cambria Math" panose="02040503050406030204" pitchFamily="18" charset="0"/>
                             </a:rPr>
-                            <m:t>/</m:t>
-                          </m:r>
-                          <m:r>
-                            <a:rPr lang="en-US" i="1">
-                              <a:latin typeface="Cambria Math" panose="02040503050406030204" pitchFamily="18" charset="0"/>
-                            </a:rPr>
-                            <m:t>|</m:t>
+                            <m:t>/|</m:t>
                           </m:r>
                           <m:r>
                             <a:rPr lang="en-US" i="1">
@@ -17239,7 +17282,7 @@
             </p:txBody>
           </p:sp>
         </mc:Choice>
-        <mc:Fallback>
+        <mc:Fallback xmlns="">
           <p:sp>
             <p:nvSpPr>
               <p:cNvPr id="19" name="TextBox 18">
@@ -17369,8 +17412,8 @@
           </a:p>
         </p:txBody>
       </p:sp>
-      <mc:AlternateContent xmlns:mc="http://schemas.openxmlformats.org/markup-compatibility/2006">
-        <mc:Choice xmlns:a14="http://schemas.microsoft.com/office/drawing/2010/main" Requires="a14">
+      <mc:AlternateContent xmlns:mc="http://schemas.openxmlformats.org/markup-compatibility/2006" xmlns:a14="http://schemas.microsoft.com/office/drawing/2010/main">
+        <mc:Choice Requires="a14">
           <p:sp>
             <p:nvSpPr>
               <p:cNvPr id="22" name="TextBox 21">
@@ -17603,7 +17646,7 @@
             </p:txBody>
           </p:sp>
         </mc:Choice>
-        <mc:Fallback>
+        <mc:Fallback xmlns="">
           <p:sp>
             <p:nvSpPr>
               <p:cNvPr id="22" name="TextBox 21">
@@ -17630,6 +17673,120 @@
                 <a:blip r:embed="rId7"/>
                 <a:stretch>
                   <a:fillRect/>
+                </a:stretch>
+              </a:blipFill>
+            </p:spPr>
+            <p:txBody>
+              <a:bodyPr/>
+              <a:lstStyle/>
+              <a:p>
+                <a:r>
+                  <a:rPr lang="en-US">
+                    <a:noFill/>
+                  </a:rPr>
+                  <a:t> </a:t>
+                </a:r>
+              </a:p>
+            </p:txBody>
+          </p:sp>
+        </mc:Fallback>
+      </mc:AlternateContent>
+      <mc:AlternateContent xmlns:mc="http://schemas.openxmlformats.org/markup-compatibility/2006">
+        <mc:Choice xmlns:a14="http://schemas.microsoft.com/office/drawing/2010/main" Requires="a14">
+          <p:sp>
+            <p:nvSpPr>
+              <p:cNvPr id="3" name="TextBox 2">
+                <a:extLst>
+                  <a:ext uri="{FF2B5EF4-FFF2-40B4-BE49-F238E27FC236}">
+                    <a16:creationId xmlns:a16="http://schemas.microsoft.com/office/drawing/2014/main" id="{1C469BC7-268A-1795-769D-1C77D5F4E398}"/>
+                  </a:ext>
+                </a:extLst>
+              </p:cNvPr>
+              <p:cNvSpPr txBox="1"/>
+              <p:nvPr/>
+            </p:nvSpPr>
+            <p:spPr>
+              <a:xfrm>
+                <a:off x="9164320" y="2510157"/>
+                <a:ext cx="2822917" cy="369332"/>
+              </a:xfrm>
+              <a:prstGeom prst="rect">
+                <a:avLst/>
+              </a:prstGeom>
+              <a:noFill/>
+            </p:spPr>
+            <p:txBody>
+              <a:bodyPr wrap="square">
+                <a:spAutoFit/>
+              </a:bodyPr>
+              <a:lstStyle/>
+              <a:p>
+                <a:pPr/>
+                <a14:m>
+                  <m:oMath xmlns:m="http://schemas.openxmlformats.org/officeDocument/2006/math">
+                    <m:sSub>
+                      <m:sSubPr>
+                        <m:ctrlPr>
+                          <a:rPr lang="en-US" b="0" i="1" smtClean="0">
+                            <a:latin typeface="Cambria Math" panose="02040503050406030204" pitchFamily="18" charset="0"/>
+                          </a:rPr>
+                        </m:ctrlPr>
+                      </m:sSubPr>
+                      <m:e>
+                        <m:r>
+                          <a:rPr lang="en-US" b="0" i="1" smtClean="0">
+                            <a:latin typeface="Cambria Math" panose="02040503050406030204" pitchFamily="18" charset="0"/>
+                            <a:ea typeface="Cambria Math" panose="02040503050406030204" pitchFamily="18" charset="0"/>
+                          </a:rPr>
+                          <m:t>𝜀</m:t>
+                        </m:r>
+                      </m:e>
+                      <m:sub>
+                        <m:r>
+                          <a:rPr lang="en-US" b="0" i="1" smtClean="0">
+                            <a:latin typeface="Cambria Math" panose="02040503050406030204" pitchFamily="18" charset="0"/>
+                          </a:rPr>
+                          <m:t>𝑚</m:t>
+                        </m:r>
+                      </m:sub>
+                    </m:sSub>
+                  </m:oMath>
+                </a14:m>
+                <a:r>
+                  <a:rPr lang="en-US" dirty="0"/>
+                  <a:t> - relative error in f(x)</a:t>
+                </a:r>
+              </a:p>
+            </p:txBody>
+          </p:sp>
+        </mc:Choice>
+        <mc:Fallback>
+          <p:sp>
+            <p:nvSpPr>
+              <p:cNvPr id="3" name="TextBox 2">
+                <a:extLst>
+                  <a:ext uri="{FF2B5EF4-FFF2-40B4-BE49-F238E27FC236}">
+                    <a16:creationId xmlns:a16="http://schemas.microsoft.com/office/drawing/2014/main" id="{1C469BC7-268A-1795-769D-1C77D5F4E398}"/>
+                  </a:ext>
+                </a:extLst>
+              </p:cNvPr>
+              <p:cNvSpPr txBox="1">
+                <a:spLocks noRot="1" noChangeAspect="1" noMove="1" noResize="1" noEditPoints="1" noAdjustHandles="1" noChangeArrowheads="1" noChangeShapeType="1" noTextEdit="1"/>
+              </p:cNvSpPr>
+              <p:nvPr/>
+            </p:nvSpPr>
+            <p:spPr>
+              <a:xfrm>
+                <a:off x="9164320" y="2510157"/>
+                <a:ext cx="2822917" cy="369332"/>
+              </a:xfrm>
+              <a:prstGeom prst="rect">
+                <a:avLst/>
+              </a:prstGeom>
+              <a:blipFill>
+                <a:blip r:embed="rId8"/>
+                <a:stretch>
+                  <a:fillRect t="-6667" b="-26667"/>
                 </a:stretch>
               </a:blipFill>
             </p:spPr>
